--- a/CMPE258_Trash_Managment_Project_Presentation.pptx
+++ b/CMPE258_Trash_Managment_Project_Presentation.pptx
@@ -23,14 +23,14 @@
   <p:notesSz cx="6858000" cy="9144000"/>
   <p:embeddedFontLst>
     <p:embeddedFont>
-      <p:font typeface="Lato" panose="020B0604020202020204" charset="0"/>
+      <p:font typeface="Lato" panose="020F0502020204030203" pitchFamily="34" charset="77"/>
       <p:regular r:id="rId13"/>
       <p:bold r:id="rId14"/>
       <p:italic r:id="rId15"/>
       <p:boldItalic r:id="rId16"/>
     </p:embeddedFont>
     <p:embeddedFont>
-      <p:font typeface="Raleway" panose="020B0604020202020204" charset="0"/>
+      <p:font typeface="Raleway" panose="020B0503030101060003" pitchFamily="34" charset="77"/>
       <p:regular r:id="rId17"/>
       <p:bold r:id="rId18"/>
       <p:italic r:id="rId19"/>
@@ -8508,10 +8508,6 @@
               </a:spcAft>
               <a:buNone/>
             </a:pPr>
-            <a:r>
-              <a:rPr lang="en" dirty="0"/>
-              <a:t/>
-            </a:r>
             <a:br>
               <a:rPr lang="en" dirty="0"/>
             </a:br>
@@ -8525,23 +8521,7 @@
             </a:r>
             <a:r>
               <a:rPr lang="en" dirty="0"/>
-              <a:t>ment </a:t>
-            </a:r>
-            <a:r>
-              <a:rPr lang="en" dirty="0" smtClean="0"/>
-              <a:t>System Using </a:t>
-            </a:r>
-            <a:r>
-              <a:rPr lang="en" dirty="0"/>
-              <a:t>Deep </a:t>
-            </a:r>
-            <a:r>
-              <a:rPr lang="en" dirty="0" smtClean="0"/>
-              <a:t>Learning</a:t>
-            </a:r>
-            <a:r>
-              <a:rPr lang="en" dirty="0"/>
-              <a:t/>
+              <a:t>ment System Using Deep Learning</a:t>
             </a:r>
             <a:br>
               <a:rPr lang="en" dirty="0"/>
@@ -8585,11 +8565,11 @@
               <a:buNone/>
             </a:pPr>
             <a:r>
-              <a:rPr lang="en-US" dirty="0" smtClean="0"/>
+              <a:rPr lang="en-US" dirty="0"/>
               <a:t>By, Team </a:t>
             </a:r>
             <a:r>
-              <a:rPr lang="en-US" dirty="0" err="1" smtClean="0"/>
+              <a:rPr lang="en-US" dirty="0" err="1"/>
               <a:t>Invincibles</a:t>
             </a:r>
             <a:endParaRPr lang="en-US" dirty="0"/>
@@ -8604,7 +8584,7 @@
               </a:spcAft>
               <a:buNone/>
             </a:pPr>
-            <a:endParaRPr lang="en" dirty="0" smtClean="0"/>
+            <a:endParaRPr lang="en" dirty="0"/>
           </a:p>
           <a:p>
             <a:pPr marL="0" lvl="0" indent="0" algn="l" rtl="0">
@@ -8617,12 +8597,8 @@
               <a:buNone/>
             </a:pPr>
             <a:r>
-              <a:rPr lang="en" dirty="0" smtClean="0"/>
-              <a:t>Srilalitha </a:t>
-            </a:r>
-            <a:r>
               <a:rPr lang="en" dirty="0"/>
-              <a:t>Veerubhotla</a:t>
+              <a:t>Srilalitha Veerubhotla</a:t>
             </a:r>
             <a:endParaRPr dirty="0"/>
           </a:p>
@@ -9195,22 +9171,10 @@
           <a:p>
             <a:pPr lvl="0"/>
             <a:r>
-              <a:rPr lang="en-US" sz="1600" b="0" dirty="0" smtClean="0">
-                <a:sym typeface="Arial"/>
-              </a:rPr>
-              <a:t>	The </a:t>
-            </a:r>
-            <a:r>
               <a:rPr lang="en-US" sz="1600" b="0" dirty="0">
                 <a:sym typeface="Arial"/>
               </a:rPr>
-              <a:t>accumulation of solid waste in the urban area is becoming a great concern, and it would result in environmental pollution and may be hazardous to human health if it is not properly managed. </a:t>
-            </a:r>
-            <a:r>
-              <a:rPr lang="en-US" sz="1600" b="0" dirty="0">
-                <a:sym typeface="Arial"/>
-              </a:rPr>
-              <a:t>It is important to have an advanced intelligent waste management system to manage a variety of waste materials. One of the most important steps of waste management is the separation of the waste into the different components and this process normally done manually by hand-picking. </a:t>
+              <a:t>	The accumulation of solid waste in the urban area is becoming a great concern, and it would result in environmental pollution and may be hazardous to human health if it is not properly managed. It is important to have an advanced intelligent waste management system to manage a variety of waste materials. One of the most important steps of waste management is the separation of the waste into the different components and this process normally done manually by hand-picking. </a:t>
             </a:r>
             <a:endParaRPr sz="1600" b="0" dirty="0">
               <a:sym typeface="Arial"/>
@@ -9300,20 +9264,12 @@
             <a:br>
               <a:rPr lang="en-US" sz="1600" b="0" dirty="0"/>
             </a:br>
-            <a:r>
-              <a:rPr lang="en-US" sz="1600" b="0" dirty="0" smtClean="0"/>
-              <a:t/>
-            </a:r>
             <a:br>
-              <a:rPr lang="en-US" sz="1600" b="0" dirty="0" smtClean="0"/>
+              <a:rPr lang="en-US" sz="1600" b="0" dirty="0"/>
             </a:br>
             <a:r>
-              <a:rPr lang="en-US" sz="1600" b="0" dirty="0" smtClean="0"/>
-              <a:t>Link</a:t>
-            </a:r>
-            <a:r>
               <a:rPr lang="en-US" sz="1600" b="0" dirty="0"/>
-              <a:t>:</a:t>
+              <a:t>Link:</a:t>
             </a:r>
             <a:r>
               <a:rPr lang="en-US" sz="1600" b="0" dirty="0">
@@ -9408,7 +9364,7 @@
           <a:lstStyle/>
           <a:p>
             <a:r>
-              <a:rPr lang="en-US" sz="2600" b="1" dirty="0" smtClean="0">
+              <a:rPr lang="en-US" sz="2600" b="1" dirty="0">
                 <a:solidFill>
                   <a:schemeClr val="dk2"/>
                 </a:solidFill>
@@ -9419,15 +9375,6 @@
               </a:rPr>
               <a:t>Data Set</a:t>
             </a:r>
-            <a:endParaRPr lang="en-US" sz="2600" b="1" dirty="0">
-              <a:solidFill>
-                <a:schemeClr val="dk2"/>
-              </a:solidFill>
-              <a:latin typeface="Raleway"/>
-              <a:ea typeface="Raleway"/>
-              <a:cs typeface="Raleway"/>
-              <a:sym typeface="Raleway"/>
-            </a:endParaRPr>
           </a:p>
         </p:txBody>
       </p:sp>
@@ -9725,7 +9672,7 @@
               <a:buAutoNum type="arabicPeriod"/>
             </a:pPr>
             <a:r>
-              <a:rPr lang="en-US" sz="1600" dirty="0" smtClean="0">
+              <a:rPr lang="en-US" sz="1600" dirty="0">
                 <a:solidFill>
                   <a:schemeClr val="dk2"/>
                 </a:solidFill>
@@ -9733,36 +9680,14 @@
                 <a:ea typeface="Raleway"/>
                 <a:cs typeface="Raleway"/>
               </a:rPr>
-              <a:t>Attempted </a:t>
-            </a:r>
-            <a:r>
-              <a:rPr lang="en-US" sz="1600" dirty="0">
-                <a:solidFill>
-                  <a:schemeClr val="dk2"/>
-                </a:solidFill>
-                <a:latin typeface="Raleway"/>
-                <a:ea typeface="Raleway"/>
-                <a:cs typeface="Raleway"/>
-              </a:rPr>
-              <a:t>to tune multiple hyper parameter for the simple CNN,ResNet50  and VGG 16 models</a:t>
-            </a:r>
-            <a:r>
-              <a:rPr lang="en-US" sz="1600" dirty="0" smtClean="0">
-                <a:solidFill>
-                  <a:schemeClr val="dk2"/>
-                </a:solidFill>
-                <a:latin typeface="Raleway"/>
-                <a:ea typeface="Raleway"/>
-                <a:cs typeface="Raleway"/>
-              </a:rPr>
-              <a:t>.</a:t>
+              <a:t>Attempted to tune multiple hyper parameter for the simple CNN,ResNet50  and VGG 16 models.</a:t>
             </a:r>
           </a:p>
           <a:p>
             <a:pPr marL="342900" indent="-342900">
               <a:buAutoNum type="arabicPeriod"/>
             </a:pPr>
-            <a:endParaRPr lang="en-US" sz="1600" dirty="0" smtClean="0">
+            <a:endParaRPr lang="en-US" sz="1600" dirty="0">
               <a:solidFill>
                 <a:schemeClr val="dk2"/>
               </a:solidFill>
@@ -9776,7 +9701,7 @@
               <a:buAutoNum type="arabicPeriod"/>
             </a:pPr>
             <a:r>
-              <a:rPr lang="en-US" sz="1600" dirty="0" smtClean="0">
+              <a:rPr lang="en-US" sz="1600" dirty="0">
                 <a:solidFill>
                   <a:schemeClr val="dk2"/>
                 </a:solidFill>
@@ -9818,17 +9743,6 @@
                 <a:cs typeface="Raleway"/>
               </a:rPr>
             </a:br>
-            <a:r>
-              <a:rPr lang="en-US" sz="1600" dirty="0">
-                <a:solidFill>
-                  <a:schemeClr val="dk2"/>
-                </a:solidFill>
-                <a:latin typeface="Raleway"/>
-                <a:ea typeface="Raleway"/>
-                <a:cs typeface="Raleway"/>
-              </a:rPr>
-              <a:t/>
-            </a:r>
             <a:br>
               <a:rPr lang="en-US" sz="1600" dirty="0">
                 <a:solidFill>
@@ -9840,7 +9754,7 @@
               </a:rPr>
             </a:br>
             <a:r>
-              <a:rPr lang="en-US" sz="1600" u="sng" dirty="0" smtClean="0">
+              <a:rPr lang="en-US" sz="1600" u="sng" dirty="0">
                 <a:solidFill>
                   <a:schemeClr val="dk2"/>
                 </a:solidFill>
@@ -9848,43 +9762,10 @@
                 <a:ea typeface="Raleway"/>
                 <a:cs typeface="Raleway"/>
               </a:rPr>
-              <a:t>Below </a:t>
+              <a:t>Below are the critical parameters tried upon the code :</a:t>
             </a:r>
-            <a:r>
-              <a:rPr lang="en-US" sz="1600" u="sng" dirty="0">
-                <a:solidFill>
-                  <a:schemeClr val="dk2"/>
-                </a:solidFill>
-                <a:latin typeface="Raleway"/>
-                <a:ea typeface="Raleway"/>
-                <a:cs typeface="Raleway"/>
-              </a:rPr>
-              <a:t>are the critical parameters tried upon the code </a:t>
-            </a:r>
-            <a:r>
-              <a:rPr lang="en-US" sz="1600" u="sng" dirty="0" smtClean="0">
-                <a:solidFill>
-                  <a:schemeClr val="dk2"/>
-                </a:solidFill>
-                <a:latin typeface="Raleway"/>
-                <a:ea typeface="Raleway"/>
-                <a:cs typeface="Raleway"/>
-              </a:rPr>
-              <a:t>:</a:t>
-            </a:r>
-          </a:p>
-          <a:p>
-            <a:r>
-              <a:rPr lang="en-US" sz="1600" dirty="0">
-                <a:solidFill>
-                  <a:schemeClr val="dk2"/>
-                </a:solidFill>
-                <a:latin typeface="Raleway"/>
-                <a:ea typeface="Raleway"/>
-                <a:cs typeface="Raleway"/>
-              </a:rPr>
-              <a:t/>
-            </a:r>
+          </a:p>
+          <a:p>
             <a:br>
               <a:rPr lang="en-US" sz="1600" dirty="0">
                 <a:solidFill>
@@ -10101,7 +9982,7 @@
         <p:spPr>
           <a:xfrm>
             <a:off x="765564" y="2456305"/>
-            <a:ext cx="8128571" cy="1046440"/>
+            <a:ext cx="8128571" cy="1538883"/>
           </a:xfrm>
           <a:prstGeom prst="rect">
             <a:avLst/>
@@ -10150,6 +10031,55 @@
                 <a:sym typeface="Raleway"/>
               </a:rPr>
               <a:t>2. Visualizations: Tensor Board , CV2</a:t>
+            </a:r>
+          </a:p>
+          <a:p>
+            <a:endParaRPr lang="en-US" sz="1600" dirty="0">
+              <a:solidFill>
+                <a:schemeClr val="dk2"/>
+              </a:solidFill>
+              <a:latin typeface="Raleway"/>
+              <a:ea typeface="Raleway"/>
+              <a:cs typeface="Raleway"/>
+              <a:sym typeface="Raleway"/>
+            </a:endParaRPr>
+          </a:p>
+          <a:p>
+            <a:r>
+              <a:rPr lang="en-US" sz="1600" dirty="0">
+                <a:solidFill>
+                  <a:schemeClr val="dk2"/>
+                </a:solidFill>
+                <a:latin typeface="Raleway"/>
+                <a:ea typeface="Raleway"/>
+                <a:cs typeface="Raleway"/>
+                <a:sym typeface="Raleway"/>
+              </a:rPr>
+              <a:t>Model is deployed using Flask python web frame work in </a:t>
+            </a:r>
+            <a:r>
+              <a:rPr lang="en-US" sz="1600" dirty="0" err="1">
+                <a:solidFill>
+                  <a:schemeClr val="dk2"/>
+                </a:solidFill>
+                <a:latin typeface="Raleway"/>
+                <a:ea typeface="Raleway"/>
+                <a:cs typeface="Raleway"/>
+                <a:sym typeface="Raleway"/>
+              </a:rPr>
+              <a:t>aws</a:t>
+            </a:r>
+            <a:r>
+              <a:rPr lang="en-US" sz="1600" dirty="0">
+                <a:solidFill>
+                  <a:schemeClr val="dk2"/>
+                </a:solidFill>
+                <a:latin typeface="Raleway"/>
+                <a:ea typeface="Raleway"/>
+                <a:cs typeface="Raleway"/>
+                <a:sym typeface="Raleway"/>
+              </a:rPr>
+              <a:t> ec2 instance</a:t>
             </a:r>
           </a:p>
           <a:p>
@@ -10243,10 +10173,9 @@
           <a:lstStyle/>
           <a:p>
             <a:r>
-              <a:rPr lang="en-US" dirty="0" smtClean="0"/>
+              <a:rPr lang="en-US" dirty="0"/>
               <a:t>.</a:t>
             </a:r>
-            <a:endParaRPr lang="en-US" dirty="0"/>
           </a:p>
           <a:p>
             <a:endParaRPr lang="en-US" dirty="0"/>
@@ -10268,7 +10197,7 @@
         <p:spPr>
           <a:xfrm>
             <a:off x="807159" y="2424408"/>
-            <a:ext cx="8128571" cy="1538883"/>
+            <a:ext cx="8128571" cy="2277547"/>
           </a:xfrm>
           <a:prstGeom prst="rect">
             <a:avLst/>
@@ -10282,7 +10211,7 @@
           <a:lstStyle/>
           <a:p>
             <a:r>
-              <a:rPr lang="en-US" sz="1600" dirty="0" smtClean="0">
+              <a:rPr lang="en-US" sz="1600" dirty="0">
                 <a:solidFill>
                   <a:schemeClr val="dk2"/>
                 </a:solidFill>
@@ -10290,18 +10219,7 @@
                 <a:ea typeface="Raleway"/>
                 <a:cs typeface="Raleway"/>
               </a:rPr>
-              <a:t>1. </a:t>
-            </a:r>
-            <a:r>
-              <a:rPr lang="en-US" sz="1600" dirty="0">
-                <a:solidFill>
-                  <a:schemeClr val="dk2"/>
-                </a:solidFill>
-                <a:latin typeface="Raleway"/>
-                <a:ea typeface="Raleway"/>
-                <a:cs typeface="Raleway"/>
-              </a:rPr>
-              <a:t>Thought of expanding the data set by more labels which we faced as a trivial challenge.</a:t>
+              <a:t>1. Thought of expanding the data set by more labels which we faced as a trivial challenge.</a:t>
             </a:r>
           </a:p>
           <a:p>
@@ -10347,6 +10265,91 @@
                 <a:cs typeface="Raleway"/>
               </a:rPr>
               <a:t> Pro</a:t>
+            </a:r>
+          </a:p>
+          <a:p>
+            <a:endParaRPr lang="en-US" sz="1600" dirty="0">
+              <a:solidFill>
+                <a:schemeClr val="dk2"/>
+              </a:solidFill>
+              <a:latin typeface="Raleway"/>
+              <a:ea typeface="Raleway"/>
+              <a:cs typeface="Raleway"/>
+              <a:sym typeface="Raleway"/>
+            </a:endParaRPr>
+          </a:p>
+          <a:p>
+            <a:r>
+              <a:rPr lang="en-US" sz="1600" dirty="0">
+                <a:solidFill>
+                  <a:schemeClr val="dk2"/>
+                </a:solidFill>
+                <a:latin typeface="Raleway"/>
+                <a:ea typeface="Raleway"/>
+                <a:cs typeface="Raleway"/>
+                <a:sym typeface="Raleway"/>
+              </a:rPr>
+              <a:t>3. Tried implementing </a:t>
+            </a:r>
+            <a:r>
+              <a:rPr lang="en-US" sz="1600" dirty="0" err="1">
+                <a:solidFill>
+                  <a:schemeClr val="dk2"/>
+                </a:solidFill>
+                <a:latin typeface="Raleway"/>
+                <a:ea typeface="Raleway"/>
+                <a:cs typeface="Raleway"/>
+                <a:sym typeface="Raleway"/>
+              </a:rPr>
+              <a:t>Tensorflow</a:t>
+            </a:r>
+            <a:r>
+              <a:rPr lang="en-US" sz="1600" dirty="0">
+                <a:solidFill>
+                  <a:schemeClr val="dk2"/>
+                </a:solidFill>
+                <a:latin typeface="Raleway"/>
+                <a:ea typeface="Raleway"/>
+                <a:cs typeface="Raleway"/>
+                <a:sym typeface="Raleway"/>
+              </a:rPr>
+              <a:t> extended and also able to show the stats and visualization. Faced challenges on modeling in </a:t>
+            </a:r>
+            <a:r>
+              <a:rPr lang="en-US" sz="1600" dirty="0" err="1">
+                <a:solidFill>
+                  <a:schemeClr val="dk2"/>
+                </a:solidFill>
+                <a:latin typeface="Raleway"/>
+                <a:ea typeface="Raleway"/>
+                <a:cs typeface="Raleway"/>
+                <a:sym typeface="Raleway"/>
+              </a:rPr>
+              <a:t>tensorflow</a:t>
+            </a:r>
+            <a:r>
+              <a:rPr lang="en-US" sz="1600" dirty="0">
+                <a:solidFill>
+                  <a:schemeClr val="dk2"/>
+                </a:solidFill>
+                <a:latin typeface="Raleway"/>
+                <a:ea typeface="Raleway"/>
+                <a:cs typeface="Raleway"/>
+                <a:sym typeface="Raleway"/>
+              </a:rPr>
+              <a:t> </a:t>
+            </a:r>
+            <a:r>
+              <a:rPr lang="en-US" sz="1600" dirty="0" err="1">
+                <a:solidFill>
+                  <a:schemeClr val="dk2"/>
+                </a:solidFill>
+                <a:latin typeface="Raleway"/>
+                <a:ea typeface="Raleway"/>
+                <a:cs typeface="Raleway"/>
+                <a:sym typeface="Raleway"/>
+              </a:rPr>
+              <a:t>extended.s</a:t>
             </a:r>
             <a:endParaRPr lang="en-US" sz="1600" dirty="0">
               <a:solidFill>
